--- a/Unleash the full power of Excel Spreadsheets.pptx
+++ b/Unleash the full power of Excel Spreadsheets.pptx
@@ -126,7 +126,7 @@
 <file path=ppt/revisionInfo.xml><?xml version="1.0" encoding="utf-8"?>
 <p1510:revInfo xmlns:a="http://schemas.openxmlformats.org/drawingml/2006/main" xmlns:r="http://schemas.openxmlformats.org/officeDocument/2006/relationships" xmlns:p1510="http://schemas.microsoft.com/office/powerpoint/2015/10/main">
   <p1510:revLst>
-    <p1510:client id="{ABC076F6-3C33-4CED-BDD7-CCC27D1CC6A1}" v="3" dt="2020-05-08T11:12:51.016"/>
+    <p1510:client id="{ABC076F6-3C33-4CED-BDD7-CCC27D1CC6A1}" v="5" dt="2020-05-08T11:15:42.762"/>
   </p1510:revLst>
 </p1510:revInfo>
 </file>
@@ -135,25 +135,169 @@
 <pc:chgInfo xmlns:a="http://schemas.openxmlformats.org/drawingml/2006/main" xmlns:r="http://schemas.openxmlformats.org/officeDocument/2006/relationships" xmlns:ac="http://schemas.microsoft.com/office/drawing/2013/main/command" xmlns:pc="http://schemas.microsoft.com/office/powerpoint/2013/main/command">
   <pc:docChgLst>
     <pc:chgData name="Sia" userId="0b8a0245-b9d8-4a32-b953-37e728f37083" providerId="ADAL" clId="{ABC076F6-3C33-4CED-BDD7-CCC27D1CC6A1}"/>
-    <pc:docChg chg="modSld">
-      <pc:chgData name="Sia" userId="0b8a0245-b9d8-4a32-b953-37e728f37083" providerId="ADAL" clId="{ABC076F6-3C33-4CED-BDD7-CCC27D1CC6A1}" dt="2020-05-08T11:12:53.136" v="6" actId="20577"/>
+    <pc:docChg chg="undo custSel mod modSld">
+      <pc:chgData name="Sia" userId="0b8a0245-b9d8-4a32-b953-37e728f37083" providerId="ADAL" clId="{ABC076F6-3C33-4CED-BDD7-CCC27D1CC6A1}" dt="2020-05-08T11:16:00.606" v="19" actId="26606"/>
       <pc:docMkLst>
         <pc:docMk/>
       </pc:docMkLst>
-      <pc:sldChg chg="modSp mod">
-        <pc:chgData name="Sia" userId="0b8a0245-b9d8-4a32-b953-37e728f37083" providerId="ADAL" clId="{ABC076F6-3C33-4CED-BDD7-CCC27D1CC6A1}" dt="2020-05-08T11:12:53.136" v="6" actId="20577"/>
+      <pc:sldChg chg="addSp delSp modSp mod setBg setClrOvrMap">
+        <pc:chgData name="Sia" userId="0b8a0245-b9d8-4a32-b953-37e728f37083" providerId="ADAL" clId="{ABC076F6-3C33-4CED-BDD7-CCC27D1CC6A1}" dt="2020-05-08T11:16:00.606" v="19" actId="26606"/>
         <pc:sldMkLst>
           <pc:docMk/>
           <pc:sldMk cId="2458867037" sldId="264"/>
         </pc:sldMkLst>
         <pc:spChg chg="mod">
-          <ac:chgData name="Sia" userId="0b8a0245-b9d8-4a32-b953-37e728f37083" providerId="ADAL" clId="{ABC076F6-3C33-4CED-BDD7-CCC27D1CC6A1}" dt="2020-05-08T11:12:53.136" v="6" actId="20577"/>
+          <ac:chgData name="Sia" userId="0b8a0245-b9d8-4a32-b953-37e728f37083" providerId="ADAL" clId="{ABC076F6-3C33-4CED-BDD7-CCC27D1CC6A1}" dt="2020-05-08T11:16:00.606" v="19" actId="26606"/>
+          <ac:spMkLst>
+            <pc:docMk/>
+            <pc:sldMk cId="2458867037" sldId="264"/>
+            <ac:spMk id="2" creationId="{00000000-0000-0000-0000-000000000000}"/>
+          </ac:spMkLst>
+        </pc:spChg>
+        <pc:spChg chg="mod">
+          <ac:chgData name="Sia" userId="0b8a0245-b9d8-4a32-b953-37e728f37083" providerId="ADAL" clId="{ABC076F6-3C33-4CED-BDD7-CCC27D1CC6A1}" dt="2020-05-08T11:16:00.606" v="19" actId="26606"/>
           <ac:spMkLst>
             <pc:docMk/>
             <pc:sldMk cId="2458867037" sldId="264"/>
             <ac:spMk id="3" creationId="{00000000-0000-0000-0000-000000000000}"/>
           </ac:spMkLst>
         </pc:spChg>
+        <pc:spChg chg="add del">
+          <ac:chgData name="Sia" userId="0b8a0245-b9d8-4a32-b953-37e728f37083" providerId="ADAL" clId="{ABC076F6-3C33-4CED-BDD7-CCC27D1CC6A1}" dt="2020-05-08T11:15:00.986" v="12" actId="26606"/>
+          <ac:spMkLst>
+            <pc:docMk/>
+            <pc:sldMk cId="2458867037" sldId="264"/>
+            <ac:spMk id="9" creationId="{3B854194-185D-494D-905C-7C7CB2E30F6E}"/>
+          </ac:spMkLst>
+        </pc:spChg>
+        <pc:spChg chg="add del">
+          <ac:chgData name="Sia" userId="0b8a0245-b9d8-4a32-b953-37e728f37083" providerId="ADAL" clId="{ABC076F6-3C33-4CED-BDD7-CCC27D1CC6A1}" dt="2020-05-08T11:15:00.986" v="12" actId="26606"/>
+          <ac:spMkLst>
+            <pc:docMk/>
+            <pc:sldMk cId="2458867037" sldId="264"/>
+            <ac:spMk id="11" creationId="{B4F5FA0D-0104-4987-8241-EFF7C85B88DE}"/>
+          </ac:spMkLst>
+        </pc:spChg>
+        <pc:spChg chg="add del">
+          <ac:chgData name="Sia" userId="0b8a0245-b9d8-4a32-b953-37e728f37083" providerId="ADAL" clId="{ABC076F6-3C33-4CED-BDD7-CCC27D1CC6A1}" dt="2020-05-08T11:14:58.196" v="9" actId="26606"/>
+          <ac:spMkLst>
+            <pc:docMk/>
+            <pc:sldMk cId="2458867037" sldId="264"/>
+            <ac:spMk id="18" creationId="{E862BE82-D00D-42C1-BF16-93AA37870C32}"/>
+          </ac:spMkLst>
+        </pc:spChg>
+        <pc:spChg chg="add del">
+          <ac:chgData name="Sia" userId="0b8a0245-b9d8-4a32-b953-37e728f37083" providerId="ADAL" clId="{ABC076F6-3C33-4CED-BDD7-CCC27D1CC6A1}" dt="2020-05-08T11:14:58.196" v="9" actId="26606"/>
+          <ac:spMkLst>
+            <pc:docMk/>
+            <pc:sldMk cId="2458867037" sldId="264"/>
+            <ac:spMk id="20" creationId="{F6D92C2D-1D3D-4974-918C-06579FB354A9}"/>
+          </ac:spMkLst>
+        </pc:spChg>
+        <pc:spChg chg="add del">
+          <ac:chgData name="Sia" userId="0b8a0245-b9d8-4a32-b953-37e728f37083" providerId="ADAL" clId="{ABC076F6-3C33-4CED-BDD7-CCC27D1CC6A1}" dt="2020-05-08T11:15:00.933" v="11" actId="26606"/>
+          <ac:spMkLst>
+            <pc:docMk/>
+            <pc:sldMk cId="2458867037" sldId="264"/>
+            <ac:spMk id="22" creationId="{B0792D4F-247E-46FE-85FC-881DEFA41D94}"/>
+          </ac:spMkLst>
+        </pc:spChg>
+        <pc:spChg chg="add del">
+          <ac:chgData name="Sia" userId="0b8a0245-b9d8-4a32-b953-37e728f37083" providerId="ADAL" clId="{ABC076F6-3C33-4CED-BDD7-CCC27D1CC6A1}" dt="2020-05-08T11:15:49.364" v="17" actId="26606"/>
+          <ac:spMkLst>
+            <pc:docMk/>
+            <pc:sldMk cId="2458867037" sldId="264"/>
+            <ac:spMk id="25" creationId="{91F32EBA-ED97-466E-8CFA-8382584155D0}"/>
+          </ac:spMkLst>
+        </pc:spChg>
+        <pc:spChg chg="add del">
+          <ac:chgData name="Sia" userId="0b8a0245-b9d8-4a32-b953-37e728f37083" providerId="ADAL" clId="{ABC076F6-3C33-4CED-BDD7-CCC27D1CC6A1}" dt="2020-05-08T11:15:49.364" v="17" actId="26606"/>
+          <ac:spMkLst>
+            <pc:docMk/>
+            <pc:sldMk cId="2458867037" sldId="264"/>
+            <ac:spMk id="26" creationId="{62A38935-BB53-4DF7-A56E-48DD25B685D7}"/>
+          </ac:spMkLst>
+        </pc:spChg>
+        <pc:spChg chg="add del">
+          <ac:chgData name="Sia" userId="0b8a0245-b9d8-4a32-b953-37e728f37083" providerId="ADAL" clId="{ABC076F6-3C33-4CED-BDD7-CCC27D1CC6A1}" dt="2020-05-08T11:16:00.606" v="19" actId="26606"/>
+          <ac:spMkLst>
+            <pc:docMk/>
+            <pc:sldMk cId="2458867037" sldId="264"/>
+            <ac:spMk id="31" creationId="{CB6E2F43-29E9-49D9-91FC-E5FEFAAA70DE}"/>
+          </ac:spMkLst>
+        </pc:spChg>
+        <pc:spChg chg="add del">
+          <ac:chgData name="Sia" userId="0b8a0245-b9d8-4a32-b953-37e728f37083" providerId="ADAL" clId="{ABC076F6-3C33-4CED-BDD7-CCC27D1CC6A1}" dt="2020-05-08T11:16:00.606" v="19" actId="26606"/>
+          <ac:spMkLst>
+            <pc:docMk/>
+            <pc:sldMk cId="2458867037" sldId="264"/>
+            <ac:spMk id="33" creationId="{3BA62E19-CD42-4C09-B825-844B4943D49D}"/>
+          </ac:spMkLst>
+        </pc:spChg>
+        <pc:spChg chg="add del">
+          <ac:chgData name="Sia" userId="0b8a0245-b9d8-4a32-b953-37e728f37083" providerId="ADAL" clId="{ABC076F6-3C33-4CED-BDD7-CCC27D1CC6A1}" dt="2020-05-08T11:16:00.606" v="19" actId="26606"/>
+          <ac:spMkLst>
+            <pc:docMk/>
+            <pc:sldMk cId="2458867037" sldId="264"/>
+            <ac:spMk id="35" creationId="{8E63CC27-1C86-4653-8866-79C24C5C51FB}"/>
+          </ac:spMkLst>
+        </pc:spChg>
+        <pc:spChg chg="add">
+          <ac:chgData name="Sia" userId="0b8a0245-b9d8-4a32-b953-37e728f37083" providerId="ADAL" clId="{ABC076F6-3C33-4CED-BDD7-CCC27D1CC6A1}" dt="2020-05-08T11:16:00.606" v="19" actId="26606"/>
+          <ac:spMkLst>
+            <pc:docMk/>
+            <pc:sldMk cId="2458867037" sldId="264"/>
+            <ac:spMk id="40" creationId="{2B566528-1B12-4246-9431-5C2D7D081168}"/>
+          </ac:spMkLst>
+        </pc:spChg>
+        <pc:grpChg chg="add">
+          <ac:chgData name="Sia" userId="0b8a0245-b9d8-4a32-b953-37e728f37083" providerId="ADAL" clId="{ABC076F6-3C33-4CED-BDD7-CCC27D1CC6A1}" dt="2020-05-08T11:16:00.606" v="19" actId="26606"/>
+          <ac:grpSpMkLst>
+            <pc:docMk/>
+            <pc:sldMk cId="2458867037" sldId="264"/>
+            <ac:grpSpMk id="42" creationId="{4724F874-E407-41A5-918C-1CF5DF5269E1}"/>
+          </ac:grpSpMkLst>
+        </pc:grpChg>
+        <pc:grpChg chg="add">
+          <ac:chgData name="Sia" userId="0b8a0245-b9d8-4a32-b953-37e728f37083" providerId="ADAL" clId="{ABC076F6-3C33-4CED-BDD7-CCC27D1CC6A1}" dt="2020-05-08T11:16:00.606" v="19" actId="26606"/>
+          <ac:grpSpMkLst>
+            <pc:docMk/>
+            <pc:sldMk cId="2458867037" sldId="264"/>
+            <ac:grpSpMk id="46" creationId="{DC8D6E3B-FFED-480F-941D-FE376375B8B7}"/>
+          </ac:grpSpMkLst>
+        </pc:grpChg>
+        <pc:picChg chg="add del mod">
+          <ac:chgData name="Sia" userId="0b8a0245-b9d8-4a32-b953-37e728f37083" providerId="ADAL" clId="{ABC076F6-3C33-4CED-BDD7-CCC27D1CC6A1}" dt="2020-05-08T11:15:41.275" v="13" actId="478"/>
+          <ac:picMkLst>
+            <pc:docMk/>
+            <pc:sldMk cId="2458867037" sldId="264"/>
+            <ac:picMk id="5" creationId="{A996331A-BE77-4538-A27F-43D9A554AC66}"/>
+          </ac:picMkLst>
+        </pc:picChg>
+        <pc:picChg chg="add mod ord">
+          <ac:chgData name="Sia" userId="0b8a0245-b9d8-4a32-b953-37e728f37083" providerId="ADAL" clId="{ABC076F6-3C33-4CED-BDD7-CCC27D1CC6A1}" dt="2020-05-08T11:16:00.606" v="19" actId="26606"/>
+          <ac:picMkLst>
+            <pc:docMk/>
+            <pc:sldMk cId="2458867037" sldId="264"/>
+            <ac:picMk id="7" creationId="{E1BEACA3-745D-4927-A113-0DB56B9430AA}"/>
+          </ac:picMkLst>
+        </pc:picChg>
+        <pc:picChg chg="add del">
+          <ac:chgData name="Sia" userId="0b8a0245-b9d8-4a32-b953-37e728f37083" providerId="ADAL" clId="{ABC076F6-3C33-4CED-BDD7-CCC27D1CC6A1}" dt="2020-05-08T11:15:00.986" v="12" actId="26606"/>
+          <ac:picMkLst>
+            <pc:docMk/>
+            <pc:sldMk cId="2458867037" sldId="264"/>
+            <ac:picMk id="13" creationId="{2897127E-6CEF-446C-BE87-93B7C46E49D1}"/>
+          </ac:picMkLst>
+        </pc:picChg>
+        <pc:cxnChg chg="add del">
+          <ac:chgData name="Sia" userId="0b8a0245-b9d8-4a32-b953-37e728f37083" providerId="ADAL" clId="{ABC076F6-3C33-4CED-BDD7-CCC27D1CC6A1}" dt="2020-05-08T11:15:00.933" v="11" actId="26606"/>
+          <ac:cxnSpMkLst>
+            <pc:docMk/>
+            <pc:sldMk cId="2458867037" sldId="264"/>
+            <ac:cxnSpMk id="23" creationId="{749A7284-D010-4ACB-A08A-FC3C3689B5EB}"/>
+          </ac:cxnSpMkLst>
+        </pc:cxnChg>
       </pc:sldChg>
     </pc:docChg>
   </pc:docChgLst>
@@ -6522,12 +6666,12 @@
           <a:chExt cx="0" cy="0"/>
         </a:xfrm>
       </p:grpSpPr>
-      <p:sp useBgFill="1">
-        <p:nvSpPr>
-          <p:cNvPr id="9" name="Rectangle 8">
-            <a:extLst>
-              <a:ext uri="{FF2B5EF4-FFF2-40B4-BE49-F238E27FC236}">
-                <a16:creationId xmlns:a16="http://schemas.microsoft.com/office/drawing/2014/main" id="{3B854194-185D-494D-905C-7C7CB2E30F6E}"/>
+      <p:sp>
+        <p:nvSpPr>
+          <p:cNvPr id="40" name="Rectangle 39">
+            <a:extLst>
+              <a:ext uri="{FF2B5EF4-FFF2-40B4-BE49-F238E27FC236}">
+                <a16:creationId xmlns:a16="http://schemas.microsoft.com/office/drawing/2014/main" id="{2B566528-1B12-4246-9431-5C2D7D081168}"/>
               </a:ext>
               <a:ext uri="{C183D7F6-B498-43B3-948B-1728B52AA6E4}">
                 <adec:decorative xmlns:adec="http://schemas.microsoft.com/office/drawing/2017/decorative" val="1"/>
@@ -6547,12 +6691,15 @@
         </p:nvSpPr>
         <p:spPr>
           <a:xfrm>
-            <a:off x="1" y="0"/>
-            <a:ext cx="6082110" cy="6858000"/>
+            <a:off x="0" y="0"/>
+            <a:ext cx="12192000" cy="6858000"/>
           </a:xfrm>
           <a:prstGeom prst="rect">
             <a:avLst/>
           </a:prstGeom>
+          <a:solidFill>
+            <a:schemeClr val="bg1"/>
+          </a:solidFill>
           <a:ln>
             <a:noFill/>
           </a:ln>
@@ -6578,123 +6725,61 @@
           <a:lstStyle/>
           <a:p>
             <a:pPr algn="ctr"/>
-            <a:endParaRPr lang="en-US"/>
-          </a:p>
-        </p:txBody>
-      </p:sp>
-      <p:sp>
-        <p:nvSpPr>
-          <p:cNvPr id="11" name="Rectangle 10">
-            <a:extLst>
-              <a:ext uri="{FF2B5EF4-FFF2-40B4-BE49-F238E27FC236}">
-                <a16:creationId xmlns:a16="http://schemas.microsoft.com/office/drawing/2014/main" id="{B4F5FA0D-0104-4987-8241-EFF7C85B88DE}"/>
-              </a:ext>
-              <a:ext uri="{C183D7F6-B498-43B3-948B-1728B52AA6E4}">
-                <adec:decorative xmlns:adec="http://schemas.microsoft.com/office/drawing/2017/decorative" val="1"/>
-              </a:ext>
-            </a:extLst>
-          </p:cNvPr>
-          <p:cNvSpPr>
-            <a:spLocks noGrp="1" noRot="1" noChangeAspect="1" noMove="1" noResize="1" noEditPoints="1" noAdjustHandles="1" noChangeArrowheads="1" noChangeShapeType="1" noTextEdit="1"/>
-          </p:cNvSpPr>
-          <p:nvPr>
-            <p:extLst>
-              <p:ext uri="{386F3935-93C4-4BCD-93E2-E3B085C9AB24}">
-                <p16:designElem xmlns:p16="http://schemas.microsoft.com/office/powerpoint/2015/main" val="1"/>
-              </p:ext>
-            </p:extLst>
+            <a:endParaRPr lang="en-US" dirty="0"/>
+          </a:p>
+        </p:txBody>
+      </p:sp>
+      <p:sp>
+        <p:nvSpPr>
+          <p:cNvPr id="2" name="Title 1"/>
+          <p:cNvSpPr>
+            <a:spLocks noGrp="1"/>
+          </p:cNvSpPr>
+          <p:nvPr>
+            <p:ph type="title"/>
           </p:nvPr>
         </p:nvSpPr>
         <p:spPr>
           <a:xfrm>
-            <a:off x="1" y="0"/>
-            <a:ext cx="12191998" cy="6858000"/>
+            <a:off x="6412121" y="321734"/>
+            <a:ext cx="5136412" cy="1135737"/>
           </a:xfrm>
-          <a:prstGeom prst="rect">
-            <a:avLst/>
-          </a:prstGeom>
-          <a:gradFill>
-            <a:gsLst>
-              <a:gs pos="0">
-                <a:schemeClr val="accent1">
-                  <a:lumMod val="90000"/>
-                </a:schemeClr>
-              </a:gs>
-              <a:gs pos="25000">
-                <a:schemeClr val="accent1">
-                  <a:lumMod val="90000"/>
-                </a:schemeClr>
-              </a:gs>
-              <a:gs pos="94000">
-                <a:schemeClr val="bg2">
-                  <a:lumMod val="25000"/>
-                </a:schemeClr>
-              </a:gs>
-              <a:gs pos="100000">
-                <a:schemeClr val="bg2">
-                  <a:lumMod val="25000"/>
-                </a:schemeClr>
-              </a:gs>
-            </a:gsLst>
-            <a:lin ang="4200000" scaled="0"/>
-          </a:gradFill>
-          <a:ln>
-            <a:noFill/>
-          </a:ln>
         </p:spPr>
-        <p:style>
-          <a:lnRef idx="2">
-            <a:schemeClr val="accent1">
-              <a:shade val="50000"/>
-            </a:schemeClr>
-          </a:lnRef>
-          <a:fillRef idx="1">
-            <a:schemeClr val="accent1"/>
-          </a:fillRef>
-          <a:effectRef idx="0">
-            <a:schemeClr val="accent1"/>
-          </a:effectRef>
-          <a:fontRef idx="minor">
-            <a:schemeClr val="lt1"/>
-          </a:fontRef>
-        </p:style>
-        <p:txBody>
-          <a:bodyPr rtlCol="0" anchor="ctr"/>
-          <a:lstStyle/>
-          <a:p>
-            <a:pPr algn="ctr"/>
-            <a:endParaRPr lang="en-US"/>
+        <p:txBody>
+          <a:bodyPr>
+            <a:normAutofit/>
+          </a:bodyPr>
+          <a:lstStyle/>
+          <a:p>
+            <a:r>
+              <a:rPr lang="en-US" sz="3600"/>
+              <a:t>Resources</a:t>
+            </a:r>
           </a:p>
         </p:txBody>
       </p:sp>
       <p:pic>
         <p:nvPicPr>
-          <p:cNvPr id="13" name="Picture 12">
-            <a:extLst>
-              <a:ext uri="{FF2B5EF4-FFF2-40B4-BE49-F238E27FC236}">
-                <a16:creationId xmlns:a16="http://schemas.microsoft.com/office/drawing/2014/main" id="{2897127E-6CEF-446C-BE87-93B7C46E49D1}"/>
-              </a:ext>
-              <a:ext uri="{C183D7F6-B498-43B3-948B-1728B52AA6E4}">
-                <adec:decorative xmlns:adec="http://schemas.microsoft.com/office/drawing/2017/decorative" val="1"/>
+          <p:cNvPr id="7" name="Graphic 6">
+            <a:extLst>
+              <a:ext uri="{FF2B5EF4-FFF2-40B4-BE49-F238E27FC236}">
+                <a16:creationId xmlns:a16="http://schemas.microsoft.com/office/drawing/2014/main" id="{E1BEACA3-745D-4927-A113-0DB56B9430AA}"/>
               </a:ext>
             </a:extLst>
           </p:cNvPr>
           <p:cNvPicPr>
-            <a:picLocks noGrp="1" noRot="1" noChangeAspect="1" noMove="1" noResize="1" noEditPoints="1" noAdjustHandles="1" noChangeArrowheads="1" noChangeShapeType="1" noCrop="1"/>
+            <a:picLocks noChangeAspect="1"/>
           </p:cNvPicPr>
-          <p:nvPr>
-            <p:extLst>
-              <p:ext uri="{386F3935-93C4-4BCD-93E2-E3B085C9AB24}">
-                <p16:designElem xmlns:p16="http://schemas.microsoft.com/office/powerpoint/2015/main" val="1"/>
-              </p:ext>
-            </p:extLst>
-          </p:nvPr>
+          <p:nvPr/>
         </p:nvPicPr>
         <p:blipFill>
           <a:blip r:embed="rId2">
             <a:extLst>
               <a:ext uri="{28A0092B-C50C-407E-A947-70E740481C1C}">
                 <a14:useLocalDpi xmlns:a14="http://schemas.microsoft.com/office/drawing/2010/main" val="0"/>
+              </a:ext>
+              <a:ext uri="{96DAC541-7B7A-43D3-8B79-37D633B846F1}">
+                <asvg:svgBlip xmlns:asvg="http://schemas.microsoft.com/office/drawing/2016/SVG/main" r:embed="rId3"/>
               </a:ext>
             </a:extLst>
           </a:blip>
@@ -6704,28 +6789,188 @@
         </p:blipFill>
         <p:spPr>
           <a:xfrm>
-            <a:off x="0" y="0"/>
-            <a:ext cx="12192000" cy="6858000"/>
+            <a:off x="643467" y="783639"/>
+            <a:ext cx="5290720" cy="5290720"/>
           </a:xfrm>
           <a:prstGeom prst="rect">
             <a:avLst/>
           </a:prstGeom>
         </p:spPr>
       </p:pic>
-      <p:sp>
-        <p:nvSpPr>
-          <p:cNvPr id="2" name="Title 1"/>
-          <p:cNvSpPr>
-            <a:spLocks noGrp="1"/>
-          </p:cNvSpPr>
-          <p:nvPr>
-            <p:ph type="title"/>
+      <p:grpSp>
+        <p:nvGrpSpPr>
+          <p:cNvPr id="42" name="Group 41">
+            <a:extLst>
+              <a:ext uri="{FF2B5EF4-FFF2-40B4-BE49-F238E27FC236}">
+                <a16:creationId xmlns:a16="http://schemas.microsoft.com/office/drawing/2014/main" id="{4724F874-E407-41A5-918C-1CF5DF5269E1}"/>
+              </a:ext>
+              <a:ext uri="{C183D7F6-B498-43B3-948B-1728B52AA6E4}">
+                <adec:decorative xmlns:adec="http://schemas.microsoft.com/office/drawing/2017/decorative" val="1"/>
+              </a:ext>
+            </a:extLst>
+          </p:cNvPr>
+          <p:cNvGrpSpPr>
+            <a:grpSpLocks noGrp="1" noUngrp="1" noRot="1" noChangeAspect="1" noMove="1" noResize="1"/>
+          </p:cNvGrpSpPr>
+          <p:nvPr>
+            <p:extLst>
+              <p:ext uri="{386F3935-93C4-4BCD-93E2-E3B085C9AB24}">
+                <p16:designElem xmlns:p16="http://schemas.microsoft.com/office/powerpoint/2015/main" val="1"/>
+              </p:ext>
+            </p:extLst>
+          </p:nvPr>
+        </p:nvGrpSpPr>
+        <p:grpSpPr>
+          <a:xfrm flipH="1">
+            <a:off x="0" y="0"/>
+            <a:ext cx="1097280" cy="1097280"/>
+            <a:chOff x="11094720" y="0"/>
+            <a:chExt cx="1097280" cy="1097280"/>
+          </a:xfrm>
+        </p:grpSpPr>
+        <p:sp>
+          <p:nvSpPr>
+            <p:cNvPr id="43" name="Isosceles Triangle 42">
+              <a:extLst>
+                <a:ext uri="{FF2B5EF4-FFF2-40B4-BE49-F238E27FC236}">
+                  <a16:creationId xmlns:a16="http://schemas.microsoft.com/office/drawing/2014/main" id="{EBB12D3E-DD63-469B-A687-14E38AE471AC}"/>
+                </a:ext>
+                <a:ext uri="{C183D7F6-B498-43B3-948B-1728B52AA6E4}">
+                  <adec:decorative xmlns:adec="http://schemas.microsoft.com/office/drawing/2017/decorative" val="1"/>
+                </a:ext>
+              </a:extLst>
+            </p:cNvPr>
+            <p:cNvSpPr/>
+            <p:nvPr>
+              <p:extLst>
+                <p:ext uri="{386F3935-93C4-4BCD-93E2-E3B085C9AB24}">
+                  <p16:designElem xmlns:p16="http://schemas.microsoft.com/office/powerpoint/2015/main" val="1"/>
+                </p:ext>
+              </p:extLst>
+            </p:nvPr>
+          </p:nvSpPr>
+          <p:spPr>
+            <a:xfrm rot="16200000">
+              <a:off x="11094720" y="0"/>
+              <a:ext cx="1097280" cy="1097280"/>
+            </a:xfrm>
+            <a:prstGeom prst="triangle">
+              <a:avLst>
+                <a:gd name="adj" fmla="val 100000"/>
+              </a:avLst>
+            </a:prstGeom>
+            <a:solidFill>
+              <a:schemeClr val="accent4">
+                <a:alpha val="30000"/>
+              </a:schemeClr>
+            </a:solidFill>
+            <a:ln>
+              <a:noFill/>
+            </a:ln>
+          </p:spPr>
+          <p:style>
+            <a:lnRef idx="2">
+              <a:schemeClr val="accent1">
+                <a:shade val="50000"/>
+              </a:schemeClr>
+            </a:lnRef>
+            <a:fillRef idx="1">
+              <a:schemeClr val="accent1"/>
+            </a:fillRef>
+            <a:effectRef idx="0">
+              <a:schemeClr val="accent1"/>
+            </a:effectRef>
+            <a:fontRef idx="minor">
+              <a:schemeClr val="lt1"/>
+            </a:fontRef>
+          </p:style>
+          <p:txBody>
+            <a:bodyPr rtlCol="0" anchor="ctr"/>
+            <a:lstStyle/>
+            <a:p>
+              <a:pPr algn="ctr"/>
+              <a:endParaRPr lang="en-US" dirty="0"/>
+            </a:p>
+          </p:txBody>
+        </p:sp>
+        <p:sp>
+          <p:nvSpPr>
+            <p:cNvPr id="44" name="Rectangle 43">
+              <a:extLst>
+                <a:ext uri="{FF2B5EF4-FFF2-40B4-BE49-F238E27FC236}">
+                  <a16:creationId xmlns:a16="http://schemas.microsoft.com/office/drawing/2014/main" id="{2CC10F17-490D-41AE-9B38-7F39AF738480}"/>
+                </a:ext>
+                <a:ext uri="{C183D7F6-B498-43B3-948B-1728B52AA6E4}">
+                  <adec:decorative xmlns:adec="http://schemas.microsoft.com/office/drawing/2017/decorative" val="1"/>
+                </a:ext>
+              </a:extLst>
+            </p:cNvPr>
+            <p:cNvSpPr/>
+            <p:nvPr>
+              <p:extLst>
+                <p:ext uri="{386F3935-93C4-4BCD-93E2-E3B085C9AB24}">
+                  <p16:designElem xmlns:p16="http://schemas.microsoft.com/office/powerpoint/2015/main" val="1"/>
+                </p:ext>
+              </p:extLst>
+            </p:nvPr>
+          </p:nvSpPr>
+          <p:spPr>
+            <a:xfrm rot="2700000">
+              <a:off x="11189552" y="127618"/>
+              <a:ext cx="457894" cy="457894"/>
+            </a:xfrm>
+            <a:prstGeom prst="rect">
+              <a:avLst/>
+            </a:prstGeom>
+            <a:solidFill>
+              <a:schemeClr val="accent4">
+                <a:alpha val="30000"/>
+              </a:schemeClr>
+            </a:solidFill>
+            <a:ln>
+              <a:noFill/>
+            </a:ln>
+          </p:spPr>
+          <p:style>
+            <a:lnRef idx="2">
+              <a:schemeClr val="accent1">
+                <a:shade val="50000"/>
+              </a:schemeClr>
+            </a:lnRef>
+            <a:fillRef idx="1">
+              <a:schemeClr val="accent1"/>
+            </a:fillRef>
+            <a:effectRef idx="0">
+              <a:schemeClr val="accent1"/>
+            </a:effectRef>
+            <a:fontRef idx="minor">
+              <a:schemeClr val="lt1"/>
+            </a:fontRef>
+          </p:style>
+          <p:txBody>
+            <a:bodyPr rtlCol="0" anchor="ctr"/>
+            <a:lstStyle/>
+            <a:p>
+              <a:pPr algn="ctr"/>
+              <a:endParaRPr lang="en-US"/>
+            </a:p>
+          </p:txBody>
+        </p:sp>
+      </p:grpSp>
+      <p:sp>
+        <p:nvSpPr>
+          <p:cNvPr id="3" name="Content Placeholder 2"/>
+          <p:cNvSpPr>
+            <a:spLocks noGrp="1"/>
+          </p:cNvSpPr>
+          <p:nvPr>
+            <p:ph type="body" idx="1"/>
           </p:nvPr>
         </p:nvSpPr>
         <p:spPr>
           <a:xfrm>
-            <a:off x="640079" y="2053641"/>
-            <a:ext cx="3669161" cy="2760098"/>
+            <a:off x="6412120" y="1782981"/>
+            <a:ext cx="5136412" cy="4393982"/>
           </a:xfrm>
         </p:spPr>
         <p:txBody>
@@ -6735,109 +6980,229 @@
           <a:lstStyle/>
           <a:p>
             <a:r>
-              <a:rPr lang="en-US" dirty="0">
-                <a:solidFill>
-                  <a:srgbClr val="FFFFFF"/>
-                </a:solidFill>
-              </a:rPr>
-              <a:t>Resources</a:t>
-            </a:r>
-          </a:p>
-        </p:txBody>
-      </p:sp>
-      <p:sp>
-        <p:nvSpPr>
-          <p:cNvPr id="3" name="Content Placeholder 2"/>
-          <p:cNvSpPr>
-            <a:spLocks noGrp="1"/>
-          </p:cNvSpPr>
-          <p:nvPr>
-            <p:ph type="body" idx="1"/>
-          </p:nvPr>
-        </p:nvSpPr>
-        <p:spPr>
-          <a:xfrm>
-            <a:off x="6090574" y="801866"/>
-            <a:ext cx="5306084" cy="5230634"/>
-          </a:xfrm>
-        </p:spPr>
-        <p:txBody>
-          <a:bodyPr anchor="ctr">
-            <a:normAutofit/>
-          </a:bodyPr>
-          <a:lstStyle/>
-          <a:p>
-            <a:r>
-              <a:rPr lang="en-US" sz="1200" dirty="0">
-                <a:hlinkClick r:id="rId3"/>
+              <a:rPr lang="en-US" sz="1700">
+                <a:hlinkClick r:id="rId4"/>
               </a:rPr>
               <a:t>https://docs.microsoft.com/en-us/office/dev/add-ins/reference/javascript-api-for-office</a:t>
             </a:r>
-            <a:endParaRPr lang="en-US" sz="1200" dirty="0"/>
-          </a:p>
-          <a:p>
-            <a:r>
-              <a:rPr lang="en-US" sz="1200" dirty="0">
-                <a:hlinkClick r:id="rId4"/>
+            <a:endParaRPr lang="en-US" sz="1700"/>
+          </a:p>
+          <a:p>
+            <a:r>
+              <a:rPr lang="en-US" sz="1700">
+                <a:hlinkClick r:id="rId5"/>
               </a:rPr>
               <a:t>https://github.com/officedev/office-js/</a:t>
             </a:r>
-            <a:endParaRPr lang="en-US" sz="1200" dirty="0"/>
-          </a:p>
-          <a:p>
-            <a:r>
-              <a:rPr lang="en-US" sz="1200" dirty="0">
-                <a:hlinkClick r:id="rId5"/>
+            <a:endParaRPr lang="en-US" sz="1700"/>
+          </a:p>
+          <a:p>
+            <a:r>
+              <a:rPr lang="en-US" sz="1700">
+                <a:hlinkClick r:id="rId6"/>
               </a:rPr>
               <a:t>https://docs.microsoft.com/en-us/javascript/api/custom-functions-runtime?view=excel-js-preview</a:t>
             </a:r>
-            <a:endParaRPr lang="en-US" sz="1200" dirty="0"/>
-          </a:p>
-          <a:p>
-            <a:r>
-              <a:rPr lang="en-US" sz="1200" dirty="0">
-                <a:hlinkClick r:id="rId6"/>
+            <a:endParaRPr lang="en-US" sz="1700"/>
+          </a:p>
+          <a:p>
+            <a:r>
+              <a:rPr lang="en-US" sz="1700">
+                <a:hlinkClick r:id="rId7"/>
               </a:rPr>
               <a:t>https://docs.microsoft.com/en-us/office/dev/add-ins/excel/custom-functions-overview</a:t>
             </a:r>
-            <a:endParaRPr lang="en-US" sz="1200" dirty="0"/>
-          </a:p>
-          <a:p>
-            <a:r>
-              <a:rPr lang="en-US" sz="1200" dirty="0">
-                <a:hlinkClick r:id="rId7"/>
+            <a:endParaRPr lang="en-US" sz="1700"/>
+          </a:p>
+          <a:p>
+            <a:r>
+              <a:rPr lang="en-US" sz="1700">
+                <a:hlinkClick r:id="rId8"/>
               </a:rPr>
               <a:t>https://docs.microsoft.com/en-us/office/dev/add-ins/excel/</a:t>
             </a:r>
-            <a:endParaRPr lang="en-US" sz="1200" dirty="0"/>
-          </a:p>
-          <a:p>
-            <a:r>
-              <a:rPr lang="en-US" sz="1200" dirty="0">
-                <a:hlinkClick r:id="rId8"/>
+            <a:endParaRPr lang="en-US" sz="1700"/>
+          </a:p>
+          <a:p>
+            <a:r>
+              <a:rPr lang="en-US" sz="1700">
+                <a:hlinkClick r:id="rId9"/>
               </a:rPr>
               <a:t>https://github.com/dersia/ExcelCustomFucntions</a:t>
             </a:r>
-            <a:endParaRPr lang="en-US" sz="1200" dirty="0"/>
-          </a:p>
-          <a:p>
-            <a:r>
-              <a:rPr lang="en-US" sz="1200">
-                <a:solidFill>
-                  <a:srgbClr val="000000"/>
-                </a:solidFill>
-                <a:hlinkClick r:id="rId9"/>
+            <a:endParaRPr lang="en-US" sz="1700"/>
+          </a:p>
+          <a:p>
+            <a:r>
+              <a:rPr lang="en-US" sz="1700">
+                <a:hlinkClick r:id="rId10"/>
               </a:rPr>
               <a:t>https://github.com/dersia/ExcelSignalRSample</a:t>
             </a:r>
-            <a:endParaRPr lang="en-US" sz="1200">
-              <a:solidFill>
-                <a:srgbClr val="000000"/>
-              </a:solidFill>
-            </a:endParaRPr>
-          </a:p>
-        </p:txBody>
-      </p:sp>
+            <a:endParaRPr lang="en-US" sz="1700"/>
+          </a:p>
+        </p:txBody>
+      </p:sp>
+      <p:grpSp>
+        <p:nvGrpSpPr>
+          <p:cNvPr id="46" name="Group 45">
+            <a:extLst>
+              <a:ext uri="{FF2B5EF4-FFF2-40B4-BE49-F238E27FC236}">
+                <a16:creationId xmlns:a16="http://schemas.microsoft.com/office/drawing/2014/main" id="{DC8D6E3B-FFED-480F-941D-FE376375B8B7}"/>
+              </a:ext>
+              <a:ext uri="{C183D7F6-B498-43B3-948B-1728B52AA6E4}">
+                <adec:decorative xmlns:adec="http://schemas.microsoft.com/office/drawing/2017/decorative" val="1"/>
+              </a:ext>
+            </a:extLst>
+          </p:cNvPr>
+          <p:cNvGrpSpPr>
+            <a:grpSpLocks noGrp="1" noUngrp="1" noRot="1" noChangeAspect="1" noMove="1" noResize="1"/>
+          </p:cNvGrpSpPr>
+          <p:nvPr>
+            <p:extLst>
+              <p:ext uri="{386F3935-93C4-4BCD-93E2-E3B085C9AB24}">
+                <p16:designElem xmlns:p16="http://schemas.microsoft.com/office/powerpoint/2015/main" val="1"/>
+              </p:ext>
+            </p:extLst>
+          </p:nvPr>
+        </p:nvGrpSpPr>
+        <p:grpSpPr>
+          <a:xfrm>
+            <a:off x="11177940" y="4601497"/>
+            <a:ext cx="1014060" cy="2017580"/>
+            <a:chOff x="11177940" y="4601497"/>
+            <a:chExt cx="1014060" cy="2017580"/>
+          </a:xfrm>
+        </p:grpSpPr>
+        <p:sp>
+          <p:nvSpPr>
+            <p:cNvPr id="47" name="Isosceles Triangle 46">
+              <a:extLst>
+                <a:ext uri="{FF2B5EF4-FFF2-40B4-BE49-F238E27FC236}">
+                  <a16:creationId xmlns:a16="http://schemas.microsoft.com/office/drawing/2014/main" id="{D3F51FEB-38FB-4F6C-9F7B-2F2AFAB65463}"/>
+                </a:ext>
+                <a:ext uri="{C183D7F6-B498-43B3-948B-1728B52AA6E4}">
+                  <adec:decorative xmlns:adec="http://schemas.microsoft.com/office/drawing/2017/decorative" val="1"/>
+                </a:ext>
+              </a:extLst>
+            </p:cNvPr>
+            <p:cNvSpPr/>
+            <p:nvPr>
+              <p:extLst>
+                <p:ext uri="{386F3935-93C4-4BCD-93E2-E3B085C9AB24}">
+                  <p16:designElem xmlns:p16="http://schemas.microsoft.com/office/powerpoint/2015/main" val="1"/>
+                </p:ext>
+              </p:extLst>
+            </p:nvPr>
+          </p:nvSpPr>
+          <p:spPr>
+            <a:xfrm rot="16200000" flipH="1">
+              <a:off x="10676180" y="5103257"/>
+              <a:ext cx="2017580" cy="1014060"/>
+            </a:xfrm>
+            <a:prstGeom prst="triangle">
+              <a:avLst>
+                <a:gd name="adj" fmla="val 50000"/>
+              </a:avLst>
+            </a:prstGeom>
+            <a:solidFill>
+              <a:schemeClr val="accent1">
+                <a:alpha val="30000"/>
+              </a:schemeClr>
+            </a:solidFill>
+            <a:ln>
+              <a:noFill/>
+            </a:ln>
+          </p:spPr>
+          <p:style>
+            <a:lnRef idx="2">
+              <a:schemeClr val="accent1">
+                <a:shade val="50000"/>
+              </a:schemeClr>
+            </a:lnRef>
+            <a:fillRef idx="1">
+              <a:schemeClr val="accent1"/>
+            </a:fillRef>
+            <a:effectRef idx="0">
+              <a:schemeClr val="accent1"/>
+            </a:effectRef>
+            <a:fontRef idx="minor">
+              <a:schemeClr val="lt1"/>
+            </a:fontRef>
+          </p:style>
+          <p:txBody>
+            <a:bodyPr rtlCol="0" anchor="ctr"/>
+            <a:lstStyle/>
+            <a:p>
+              <a:pPr algn="ctr"/>
+              <a:endParaRPr lang="en-US"/>
+            </a:p>
+          </p:txBody>
+        </p:sp>
+        <p:sp>
+          <p:nvSpPr>
+            <p:cNvPr id="48" name="Rectangle 47">
+              <a:extLst>
+                <a:ext uri="{FF2B5EF4-FFF2-40B4-BE49-F238E27FC236}">
+                  <a16:creationId xmlns:a16="http://schemas.microsoft.com/office/drawing/2014/main" id="{1E547BA6-BAE0-43BB-A7CA-60F69CE252F0}"/>
+                </a:ext>
+                <a:ext uri="{C183D7F6-B498-43B3-948B-1728B52AA6E4}">
+                  <adec:decorative xmlns:adec="http://schemas.microsoft.com/office/drawing/2017/decorative" val="1"/>
+                </a:ext>
+              </a:extLst>
+            </p:cNvPr>
+            <p:cNvSpPr/>
+            <p:nvPr>
+              <p:extLst>
+                <p:ext uri="{386F3935-93C4-4BCD-93E2-E3B085C9AB24}">
+                  <p16:designElem xmlns:p16="http://schemas.microsoft.com/office/powerpoint/2015/main" val="1"/>
+                </p:ext>
+              </p:extLst>
+            </p:nvPr>
+          </p:nvSpPr>
+          <p:spPr>
+            <a:xfrm rot="2700000">
+              <a:off x="11278506" y="5728708"/>
+              <a:ext cx="485578" cy="485578"/>
+            </a:xfrm>
+            <a:prstGeom prst="rect">
+              <a:avLst/>
+            </a:prstGeom>
+            <a:solidFill>
+              <a:schemeClr val="accent1">
+                <a:alpha val="30000"/>
+              </a:schemeClr>
+            </a:solidFill>
+            <a:ln>
+              <a:noFill/>
+            </a:ln>
+          </p:spPr>
+          <p:style>
+            <a:lnRef idx="2">
+              <a:schemeClr val="accent1">
+                <a:shade val="50000"/>
+              </a:schemeClr>
+            </a:lnRef>
+            <a:fillRef idx="1">
+              <a:schemeClr val="accent1"/>
+            </a:fillRef>
+            <a:effectRef idx="0">
+              <a:schemeClr val="accent1"/>
+            </a:effectRef>
+            <a:fontRef idx="minor">
+              <a:schemeClr val="lt1"/>
+            </a:fontRef>
+          </p:style>
+          <p:txBody>
+            <a:bodyPr rtlCol="0" anchor="ctr"/>
+            <a:lstStyle/>
+            <a:p>
+              <a:pPr algn="ctr"/>
+              <a:endParaRPr lang="en-US"/>
+            </a:p>
+          </p:txBody>
+        </p:sp>
+      </p:grpSp>
     </p:spTree>
     <p:extLst>
       <p:ext uri="{BB962C8B-B14F-4D97-AF65-F5344CB8AC3E}">
